--- a/Images/Figurer.pptx
+++ b/Images/Figurer.pptx
@@ -15,6 +15,7 @@
     <p:sldId id="264" r:id="rId9"/>
     <p:sldId id="265" r:id="rId10"/>
     <p:sldId id="258" r:id="rId11"/>
+    <p:sldId id="266" r:id="rId12"/>
   </p:sldIdLst>
   <p:sldSz cx="12192000" cy="6858000"/>
   <p:notesSz cx="6858000" cy="9144000"/>
@@ -252,7 +253,7 @@
           <a:p>
             <a:fld id="{7563E4E8-7802-6143-964B-DF3D472E9C93}" type="datetimeFigureOut">
               <a:rPr lang="da-DK" smtClean="0"/>
-              <a:t>30/04/2018</a:t>
+              <a:t>12/05/2018</a:t>
             </a:fld>
             <a:endParaRPr lang="da-DK"/>
           </a:p>
@@ -422,7 +423,7 @@
           <a:p>
             <a:fld id="{7563E4E8-7802-6143-964B-DF3D472E9C93}" type="datetimeFigureOut">
               <a:rPr lang="da-DK" smtClean="0"/>
-              <a:t>30/04/2018</a:t>
+              <a:t>12/05/2018</a:t>
             </a:fld>
             <a:endParaRPr lang="da-DK"/>
           </a:p>
@@ -602,7 +603,7 @@
           <a:p>
             <a:fld id="{7563E4E8-7802-6143-964B-DF3D472E9C93}" type="datetimeFigureOut">
               <a:rPr lang="da-DK" smtClean="0"/>
-              <a:t>30/04/2018</a:t>
+              <a:t>12/05/2018</a:t>
             </a:fld>
             <a:endParaRPr lang="da-DK"/>
           </a:p>
@@ -772,7 +773,7 @@
           <a:p>
             <a:fld id="{7563E4E8-7802-6143-964B-DF3D472E9C93}" type="datetimeFigureOut">
               <a:rPr lang="da-DK" smtClean="0"/>
-              <a:t>30/04/2018</a:t>
+              <a:t>12/05/2018</a:t>
             </a:fld>
             <a:endParaRPr lang="da-DK"/>
           </a:p>
@@ -1018,7 +1019,7 @@
           <a:p>
             <a:fld id="{7563E4E8-7802-6143-964B-DF3D472E9C93}" type="datetimeFigureOut">
               <a:rPr lang="da-DK" smtClean="0"/>
-              <a:t>30/04/2018</a:t>
+              <a:t>12/05/2018</a:t>
             </a:fld>
             <a:endParaRPr lang="da-DK"/>
           </a:p>
@@ -1250,7 +1251,7 @@
           <a:p>
             <a:fld id="{7563E4E8-7802-6143-964B-DF3D472E9C93}" type="datetimeFigureOut">
               <a:rPr lang="da-DK" smtClean="0"/>
-              <a:t>30/04/2018</a:t>
+              <a:t>12/05/2018</a:t>
             </a:fld>
             <a:endParaRPr lang="da-DK"/>
           </a:p>
@@ -1617,7 +1618,7 @@
           <a:p>
             <a:fld id="{7563E4E8-7802-6143-964B-DF3D472E9C93}" type="datetimeFigureOut">
               <a:rPr lang="da-DK" smtClean="0"/>
-              <a:t>30/04/2018</a:t>
+              <a:t>12/05/2018</a:t>
             </a:fld>
             <a:endParaRPr lang="da-DK"/>
           </a:p>
@@ -1735,7 +1736,7 @@
           <a:p>
             <a:fld id="{7563E4E8-7802-6143-964B-DF3D472E9C93}" type="datetimeFigureOut">
               <a:rPr lang="da-DK" smtClean="0"/>
-              <a:t>30/04/2018</a:t>
+              <a:t>12/05/2018</a:t>
             </a:fld>
             <a:endParaRPr lang="da-DK"/>
           </a:p>
@@ -1830,7 +1831,7 @@
           <a:p>
             <a:fld id="{7563E4E8-7802-6143-964B-DF3D472E9C93}" type="datetimeFigureOut">
               <a:rPr lang="da-DK" smtClean="0"/>
-              <a:t>30/04/2018</a:t>
+              <a:t>12/05/2018</a:t>
             </a:fld>
             <a:endParaRPr lang="da-DK"/>
           </a:p>
@@ -2107,7 +2108,7 @@
           <a:p>
             <a:fld id="{7563E4E8-7802-6143-964B-DF3D472E9C93}" type="datetimeFigureOut">
               <a:rPr lang="da-DK" smtClean="0"/>
-              <a:t>30/04/2018</a:t>
+              <a:t>12/05/2018</a:t>
             </a:fld>
             <a:endParaRPr lang="da-DK"/>
           </a:p>
@@ -2360,7 +2361,7 @@
           <a:p>
             <a:fld id="{7563E4E8-7802-6143-964B-DF3D472E9C93}" type="datetimeFigureOut">
               <a:rPr lang="da-DK" smtClean="0"/>
-              <a:t>30/04/2018</a:t>
+              <a:t>12/05/2018</a:t>
             </a:fld>
             <a:endParaRPr lang="da-DK"/>
           </a:p>
@@ -2573,7 +2574,7 @@
           <a:p>
             <a:fld id="{7563E4E8-7802-6143-964B-DF3D472E9C93}" type="datetimeFigureOut">
               <a:rPr lang="da-DK" smtClean="0"/>
-              <a:t>30/04/2018</a:t>
+              <a:t>12/05/2018</a:t>
             </a:fld>
             <a:endParaRPr lang="da-DK"/>
           </a:p>
@@ -5879,6 +5880,525 @@
 </p:sld>
 </file>
 
+<file path=ppt/slides/slide11.xml><?xml version="1.0" encoding="utf-8"?>
+<p:sld xmlns:a="http://schemas.openxmlformats.org/drawingml/2006/main" xmlns:r="http://schemas.openxmlformats.org/officeDocument/2006/relationships" xmlns:p="http://schemas.openxmlformats.org/presentationml/2006/main">
+  <p:cSld>
+    <p:spTree>
+      <p:nvGrpSpPr>
+        <p:cNvPr id="1" name=""/>
+        <p:cNvGrpSpPr/>
+        <p:nvPr/>
+      </p:nvGrpSpPr>
+      <p:grpSpPr>
+        <a:xfrm>
+          <a:off x="0" y="0"/>
+          <a:ext cx="0" cy="0"/>
+          <a:chOff x="0" y="0"/>
+          <a:chExt cx="0" cy="0"/>
+        </a:xfrm>
+      </p:grpSpPr>
+      <p:sp>
+        <p:nvSpPr>
+          <p:cNvPr id="4" name="Rektangel 3"/>
+          <p:cNvSpPr/>
+          <p:nvPr/>
+        </p:nvSpPr>
+        <p:spPr>
+          <a:xfrm>
+            <a:off x="885825" y="2028825"/>
+            <a:ext cx="1440000" cy="1440000"/>
+          </a:xfrm>
+          <a:prstGeom prst="rect">
+            <a:avLst/>
+          </a:prstGeom>
+          <a:pattFill prst="wdUpDiag">
+            <a:fgClr>
+              <a:schemeClr val="accent1"/>
+            </a:fgClr>
+            <a:bgClr>
+              <a:schemeClr val="bg1"/>
+            </a:bgClr>
+          </a:pattFill>
+        </p:spPr>
+        <p:style>
+          <a:lnRef idx="2">
+            <a:schemeClr val="accent1">
+              <a:shade val="50000"/>
+            </a:schemeClr>
+          </a:lnRef>
+          <a:fillRef idx="1">
+            <a:schemeClr val="accent1"/>
+          </a:fillRef>
+          <a:effectRef idx="0">
+            <a:schemeClr val="accent1"/>
+          </a:effectRef>
+          <a:fontRef idx="minor">
+            <a:schemeClr val="lt1"/>
+          </a:fontRef>
+        </p:style>
+        <p:txBody>
+          <a:bodyPr rtlCol="0" anchor="ctr"/>
+          <a:lstStyle/>
+          <a:p>
+            <a:pPr algn="ctr"/>
+            <a:endParaRPr lang="da-DK"/>
+          </a:p>
+        </p:txBody>
+      </p:sp>
+      <p:sp>
+        <p:nvSpPr>
+          <p:cNvPr id="5" name="Rektangel 4"/>
+          <p:cNvSpPr/>
+          <p:nvPr/>
+        </p:nvSpPr>
+        <p:spPr>
+          <a:xfrm>
+            <a:off x="1605825" y="2748825"/>
+            <a:ext cx="1440000" cy="1440000"/>
+          </a:xfrm>
+          <a:prstGeom prst="rect">
+            <a:avLst/>
+          </a:prstGeom>
+          <a:pattFill prst="wdUpDiag">
+            <a:fgClr>
+              <a:schemeClr val="accent2"/>
+            </a:fgClr>
+            <a:bgClr>
+              <a:schemeClr val="bg1"/>
+            </a:bgClr>
+          </a:pattFill>
+        </p:spPr>
+        <p:style>
+          <a:lnRef idx="2">
+            <a:schemeClr val="accent1">
+              <a:shade val="50000"/>
+            </a:schemeClr>
+          </a:lnRef>
+          <a:fillRef idx="1">
+            <a:schemeClr val="accent1"/>
+          </a:fillRef>
+          <a:effectRef idx="0">
+            <a:schemeClr val="accent1"/>
+          </a:effectRef>
+          <a:fontRef idx="minor">
+            <a:schemeClr val="lt1"/>
+          </a:fontRef>
+        </p:style>
+        <p:txBody>
+          <a:bodyPr rtlCol="0" anchor="ctr"/>
+          <a:lstStyle/>
+          <a:p>
+            <a:pPr algn="ctr"/>
+            <a:endParaRPr lang="da-DK"/>
+          </a:p>
+        </p:txBody>
+      </p:sp>
+      <p:sp>
+        <p:nvSpPr>
+          <p:cNvPr id="6" name="Rektangel 5"/>
+          <p:cNvSpPr/>
+          <p:nvPr/>
+        </p:nvSpPr>
+        <p:spPr>
+          <a:xfrm>
+            <a:off x="1605825" y="2748825"/>
+            <a:ext cx="720000" cy="720000"/>
+          </a:xfrm>
+          <a:prstGeom prst="rect">
+            <a:avLst/>
+          </a:prstGeom>
+          <a:pattFill prst="wdUpDiag">
+            <a:fgClr>
+              <a:schemeClr val="accent2"/>
+            </a:fgClr>
+            <a:bgClr>
+              <a:schemeClr val="accent1"/>
+            </a:bgClr>
+          </a:pattFill>
+        </p:spPr>
+        <p:style>
+          <a:lnRef idx="2">
+            <a:schemeClr val="accent1">
+              <a:shade val="50000"/>
+            </a:schemeClr>
+          </a:lnRef>
+          <a:fillRef idx="1">
+            <a:schemeClr val="accent1"/>
+          </a:fillRef>
+          <a:effectRef idx="0">
+            <a:schemeClr val="accent1"/>
+          </a:effectRef>
+          <a:fontRef idx="minor">
+            <a:schemeClr val="lt1"/>
+          </a:fontRef>
+        </p:style>
+        <p:txBody>
+          <a:bodyPr rtlCol="0" anchor="ctr"/>
+          <a:lstStyle/>
+          <a:p>
+            <a:pPr algn="ctr"/>
+            <a:endParaRPr lang="da-DK"/>
+          </a:p>
+        </p:txBody>
+      </p:sp>
+      <p:sp>
+        <p:nvSpPr>
+          <p:cNvPr id="7" name="Rektangel 6"/>
+          <p:cNvSpPr/>
+          <p:nvPr/>
+        </p:nvSpPr>
+        <p:spPr>
+          <a:xfrm>
+            <a:off x="5381973" y="2225049"/>
+            <a:ext cx="1440000" cy="1440000"/>
+          </a:xfrm>
+          <a:prstGeom prst="rect">
+            <a:avLst/>
+          </a:prstGeom>
+          <a:pattFill prst="wdUpDiag">
+            <a:fgClr>
+              <a:schemeClr val="accent1"/>
+            </a:fgClr>
+            <a:bgClr>
+              <a:schemeClr val="bg1"/>
+            </a:bgClr>
+          </a:pattFill>
+        </p:spPr>
+        <p:style>
+          <a:lnRef idx="2">
+            <a:schemeClr val="accent1">
+              <a:shade val="50000"/>
+            </a:schemeClr>
+          </a:lnRef>
+          <a:fillRef idx="1">
+            <a:schemeClr val="accent1"/>
+          </a:fillRef>
+          <a:effectRef idx="0">
+            <a:schemeClr val="accent1"/>
+          </a:effectRef>
+          <a:fontRef idx="minor">
+            <a:schemeClr val="lt1"/>
+          </a:fontRef>
+        </p:style>
+        <p:txBody>
+          <a:bodyPr rtlCol="0" anchor="ctr"/>
+          <a:lstStyle/>
+          <a:p>
+            <a:pPr algn="ctr"/>
+            <a:endParaRPr lang="da-DK"/>
+          </a:p>
+        </p:txBody>
+      </p:sp>
+      <p:sp>
+        <p:nvSpPr>
+          <p:cNvPr id="8" name="Rektangel 7"/>
+          <p:cNvSpPr/>
+          <p:nvPr/>
+        </p:nvSpPr>
+        <p:spPr>
+          <a:xfrm>
+            <a:off x="5561973" y="2405049"/>
+            <a:ext cx="1440000" cy="1440000"/>
+          </a:xfrm>
+          <a:prstGeom prst="rect">
+            <a:avLst/>
+          </a:prstGeom>
+          <a:pattFill prst="wdUpDiag">
+            <a:fgClr>
+              <a:schemeClr val="accent2"/>
+            </a:fgClr>
+            <a:bgClr>
+              <a:schemeClr val="bg1"/>
+            </a:bgClr>
+          </a:pattFill>
+        </p:spPr>
+        <p:style>
+          <a:lnRef idx="2">
+            <a:schemeClr val="accent1">
+              <a:shade val="50000"/>
+            </a:schemeClr>
+          </a:lnRef>
+          <a:fillRef idx="1">
+            <a:schemeClr val="accent1"/>
+          </a:fillRef>
+          <a:effectRef idx="0">
+            <a:schemeClr val="accent1"/>
+          </a:effectRef>
+          <a:fontRef idx="minor">
+            <a:schemeClr val="lt1"/>
+          </a:fontRef>
+        </p:style>
+        <p:txBody>
+          <a:bodyPr rtlCol="0" anchor="ctr"/>
+          <a:lstStyle/>
+          <a:p>
+            <a:pPr algn="ctr"/>
+            <a:endParaRPr lang="da-DK"/>
+          </a:p>
+        </p:txBody>
+      </p:sp>
+      <p:sp>
+        <p:nvSpPr>
+          <p:cNvPr id="9" name="Rektangel 8"/>
+          <p:cNvSpPr/>
+          <p:nvPr/>
+        </p:nvSpPr>
+        <p:spPr>
+          <a:xfrm>
+            <a:off x="5561973" y="2405049"/>
+            <a:ext cx="1260000" cy="1279960"/>
+          </a:xfrm>
+          <a:prstGeom prst="rect">
+            <a:avLst/>
+          </a:prstGeom>
+          <a:pattFill prst="wdUpDiag">
+            <a:fgClr>
+              <a:schemeClr val="accent2"/>
+            </a:fgClr>
+            <a:bgClr>
+              <a:schemeClr val="accent1"/>
+            </a:bgClr>
+          </a:pattFill>
+        </p:spPr>
+        <p:style>
+          <a:lnRef idx="2">
+            <a:schemeClr val="accent1">
+              <a:shade val="50000"/>
+            </a:schemeClr>
+          </a:lnRef>
+          <a:fillRef idx="1">
+            <a:schemeClr val="accent1"/>
+          </a:fillRef>
+          <a:effectRef idx="0">
+            <a:schemeClr val="accent1"/>
+          </a:effectRef>
+          <a:fontRef idx="minor">
+            <a:schemeClr val="lt1"/>
+          </a:fontRef>
+        </p:style>
+        <p:txBody>
+          <a:bodyPr rtlCol="0" anchor="ctr"/>
+          <a:lstStyle/>
+          <a:p>
+            <a:pPr algn="ctr"/>
+            <a:endParaRPr lang="da-DK"/>
+          </a:p>
+        </p:txBody>
+      </p:sp>
+      <p:sp>
+        <p:nvSpPr>
+          <p:cNvPr id="10" name="Rektangel 9"/>
+          <p:cNvSpPr/>
+          <p:nvPr/>
+        </p:nvSpPr>
+        <p:spPr>
+          <a:xfrm>
+            <a:off x="9540000" y="2404800"/>
+            <a:ext cx="1440000" cy="1440000"/>
+          </a:xfrm>
+          <a:prstGeom prst="rect">
+            <a:avLst/>
+          </a:prstGeom>
+          <a:pattFill prst="wdUpDiag">
+            <a:fgClr>
+              <a:schemeClr val="accent1"/>
+            </a:fgClr>
+            <a:bgClr>
+              <a:schemeClr val="bg1"/>
+            </a:bgClr>
+          </a:pattFill>
+        </p:spPr>
+        <p:style>
+          <a:lnRef idx="2">
+            <a:schemeClr val="accent1">
+              <a:shade val="50000"/>
+            </a:schemeClr>
+          </a:lnRef>
+          <a:fillRef idx="1">
+            <a:schemeClr val="accent1"/>
+          </a:fillRef>
+          <a:effectRef idx="0">
+            <a:schemeClr val="accent1"/>
+          </a:effectRef>
+          <a:fontRef idx="minor">
+            <a:schemeClr val="lt1"/>
+          </a:fontRef>
+        </p:style>
+        <p:txBody>
+          <a:bodyPr rtlCol="0" anchor="ctr"/>
+          <a:lstStyle/>
+          <a:p>
+            <a:pPr algn="ctr"/>
+            <a:endParaRPr lang="da-DK"/>
+          </a:p>
+        </p:txBody>
+      </p:sp>
+      <p:sp>
+        <p:nvSpPr>
+          <p:cNvPr id="12" name="Rektangel 11"/>
+          <p:cNvSpPr/>
+          <p:nvPr/>
+        </p:nvSpPr>
+        <p:spPr>
+          <a:xfrm>
+            <a:off x="9539998" y="3127544"/>
+            <a:ext cx="720000" cy="720000"/>
+          </a:xfrm>
+          <a:prstGeom prst="rect">
+            <a:avLst/>
+          </a:prstGeom>
+          <a:pattFill prst="wdUpDiag">
+            <a:fgClr>
+              <a:schemeClr val="accent2"/>
+            </a:fgClr>
+            <a:bgClr>
+              <a:schemeClr val="accent1"/>
+            </a:bgClr>
+          </a:pattFill>
+        </p:spPr>
+        <p:style>
+          <a:lnRef idx="2">
+            <a:schemeClr val="accent1">
+              <a:shade val="50000"/>
+            </a:schemeClr>
+          </a:lnRef>
+          <a:fillRef idx="1">
+            <a:schemeClr val="accent1"/>
+          </a:fillRef>
+          <a:effectRef idx="0">
+            <a:schemeClr val="accent1"/>
+          </a:effectRef>
+          <a:fontRef idx="minor">
+            <a:schemeClr val="lt1"/>
+          </a:fontRef>
+        </p:style>
+        <p:txBody>
+          <a:bodyPr rtlCol="0" anchor="ctr"/>
+          <a:lstStyle/>
+          <a:p>
+            <a:pPr algn="ctr"/>
+            <a:endParaRPr lang="da-DK"/>
+          </a:p>
+        </p:txBody>
+      </p:sp>
+      <p:sp>
+        <p:nvSpPr>
+          <p:cNvPr id="13" name="Tekstfelt 12"/>
+          <p:cNvSpPr txBox="1"/>
+          <p:nvPr/>
+        </p:nvSpPr>
+        <p:spPr>
+          <a:xfrm>
+            <a:off x="885825" y="4614530"/>
+            <a:ext cx="2160000" cy="523220"/>
+          </a:xfrm>
+          <a:prstGeom prst="rect">
+            <a:avLst/>
+          </a:prstGeom>
+          <a:noFill/>
+        </p:spPr>
+        <p:txBody>
+          <a:bodyPr wrap="square" rtlCol="0">
+            <a:spAutoFit/>
+          </a:bodyPr>
+          <a:lstStyle/>
+          <a:p>
+            <a:pPr algn="ctr"/>
+            <a:r>
+              <a:rPr lang="da-DK" sz="2800" b="1" dirty="0" err="1" smtClean="0"/>
+              <a:t>IoU</a:t>
+            </a:r>
+            <a:r>
+              <a:rPr lang="da-DK" sz="2800" b="1" dirty="0" smtClean="0"/>
+              <a:t> = 0.1429</a:t>
+            </a:r>
+            <a:endParaRPr lang="da-DK" sz="2800" b="1" dirty="0"/>
+          </a:p>
+        </p:txBody>
+      </p:sp>
+      <p:sp>
+        <p:nvSpPr>
+          <p:cNvPr id="14" name="Tekstfelt 13"/>
+          <p:cNvSpPr txBox="1"/>
+          <p:nvPr/>
+        </p:nvSpPr>
+        <p:spPr>
+          <a:xfrm>
+            <a:off x="5111973" y="4614530"/>
+            <a:ext cx="2160000" cy="523220"/>
+          </a:xfrm>
+          <a:prstGeom prst="rect">
+            <a:avLst/>
+          </a:prstGeom>
+          <a:noFill/>
+        </p:spPr>
+        <p:txBody>
+          <a:bodyPr wrap="square" rtlCol="0">
+            <a:spAutoFit/>
+          </a:bodyPr>
+          <a:lstStyle/>
+          <a:p>
+            <a:pPr algn="ctr"/>
+            <a:r>
+              <a:rPr lang="da-DK" sz="2800" b="1" dirty="0" err="1" smtClean="0"/>
+              <a:t>IoU</a:t>
+            </a:r>
+            <a:r>
+              <a:rPr lang="da-DK" sz="2800" b="1" dirty="0" smtClean="0"/>
+              <a:t> = 0.6203</a:t>
+            </a:r>
+            <a:endParaRPr lang="da-DK" sz="2800" b="1" dirty="0"/>
+          </a:p>
+        </p:txBody>
+      </p:sp>
+      <p:sp>
+        <p:nvSpPr>
+          <p:cNvPr id="15" name="Tekstfelt 14"/>
+          <p:cNvSpPr txBox="1"/>
+          <p:nvPr/>
+        </p:nvSpPr>
+        <p:spPr>
+          <a:xfrm>
+            <a:off x="9179386" y="4614530"/>
+            <a:ext cx="2160000" cy="523220"/>
+          </a:xfrm>
+          <a:prstGeom prst="rect">
+            <a:avLst/>
+          </a:prstGeom>
+          <a:noFill/>
+        </p:spPr>
+        <p:txBody>
+          <a:bodyPr wrap="square" rtlCol="0">
+            <a:spAutoFit/>
+          </a:bodyPr>
+          <a:lstStyle/>
+          <a:p>
+            <a:pPr algn="ctr"/>
+            <a:r>
+              <a:rPr lang="da-DK" sz="2800" b="1" dirty="0" err="1" smtClean="0"/>
+              <a:t>IoU</a:t>
+            </a:r>
+            <a:r>
+              <a:rPr lang="da-DK" sz="2800" b="1" dirty="0" smtClean="0"/>
+              <a:t> = 0.2500</a:t>
+            </a:r>
+            <a:endParaRPr lang="da-DK" sz="2800" b="1" dirty="0"/>
+          </a:p>
+        </p:txBody>
+      </p:sp>
+    </p:spTree>
+    <p:extLst>
+      <p:ext uri="{BB962C8B-B14F-4D97-AF65-F5344CB8AC3E}">
+        <p14:creationId xmlns:p14="http://schemas.microsoft.com/office/powerpoint/2010/main" val="1271241349"/>
+      </p:ext>
+    </p:extLst>
+  </p:cSld>
+  <p:clrMapOvr>
+    <a:masterClrMapping/>
+  </p:clrMapOvr>
+</p:sld>
+</file>
+
 <file path=ppt/slides/slide2.xml><?xml version="1.0" encoding="utf-8"?>
 <p:sld xmlns:a="http://schemas.openxmlformats.org/drawingml/2006/main" xmlns:r="http://schemas.openxmlformats.org/officeDocument/2006/relationships" xmlns:p="http://schemas.openxmlformats.org/presentationml/2006/main">
   <p:cSld>
@@ -8164,7 +8684,6 @@
               <a:rPr lang="da-DK" sz="2000" b="1" dirty="0" smtClean="0"/>
               <a:t>Final</a:t>
             </a:r>
-            <a:endParaRPr lang="da-DK" sz="2000" b="1" dirty="0" smtClean="0"/>
           </a:p>
           <a:p>
             <a:pPr algn="ctr"/>
@@ -9417,8 +9936,8 @@
           </a:p>
         </p:txBody>
       </p:sp>
-      <mc:AlternateContent xmlns:mc="http://schemas.openxmlformats.org/markup-compatibility/2006">
-        <mc:Choice xmlns:a14="http://schemas.microsoft.com/office/drawing/2010/main" Requires="a14">
+      <mc:AlternateContent xmlns:mc="http://schemas.openxmlformats.org/markup-compatibility/2006" xmlns:a14="http://schemas.microsoft.com/office/drawing/2010/main">
+        <mc:Choice Requires="a14">
           <p:sp>
             <p:nvSpPr>
               <p:cNvPr id="23" name="Tekstfelt 22"/>
@@ -9447,6 +9966,7 @@
                 </a:r>
               </a:p>
               <a:p>
+                <a:pPr/>
                 <a14:m>
                   <m:oMathPara xmlns:m="http://schemas.openxmlformats.org/officeDocument/2006/math">
                     <m:oMathParaPr>
@@ -9631,7 +10151,7 @@
             </p:txBody>
           </p:sp>
         </mc:Choice>
-        <mc:Fallback>
+        <mc:Fallback xmlns="">
           <p:sp>
             <p:nvSpPr>
               <p:cNvPr id="23" name="Tekstfelt 22"/>
@@ -9708,8 +10228,8 @@
           </a:fontRef>
         </p:style>
       </p:cxnSp>
-      <mc:AlternateContent xmlns:mc="http://schemas.openxmlformats.org/markup-compatibility/2006">
-        <mc:Choice xmlns:a14="http://schemas.microsoft.com/office/drawing/2010/main" Requires="a14">
+      <mc:AlternateContent xmlns:mc="http://schemas.openxmlformats.org/markup-compatibility/2006" xmlns:a14="http://schemas.microsoft.com/office/drawing/2010/main">
+        <mc:Choice Requires="a14">
           <p:sp>
             <p:nvSpPr>
               <p:cNvPr id="24" name="Tekstfelt 23"/>
@@ -9738,6 +10258,7 @@
                 </a:r>
               </a:p>
               <a:p>
+                <a:pPr/>
                 <a14:m>
                   <m:oMathPara xmlns:m="http://schemas.openxmlformats.org/officeDocument/2006/math">
                     <m:oMathParaPr>
@@ -9963,7 +10484,7 @@
             </p:txBody>
           </p:sp>
         </mc:Choice>
-        <mc:Fallback>
+        <mc:Fallback xmlns="">
           <p:sp>
             <p:nvSpPr>
               <p:cNvPr id="24" name="Tekstfelt 23"/>
@@ -10758,11 +11279,7 @@
             </a:r>
             <a:r>
               <a:rPr lang="da-DK" sz="2000" b="1" dirty="0" smtClean="0"/>
-              <a:t> top </a:t>
-            </a:r>
-            <a:r>
-              <a:rPr lang="da-DK" sz="2000" b="1" dirty="0" smtClean="0"/>
-              <a:t>300</a:t>
+              <a:t> top 300</a:t>
             </a:r>
             <a:endParaRPr lang="da-DK" sz="2000" b="1" dirty="0"/>
           </a:p>
@@ -10967,7 +11484,6 @@
               <a:rPr lang="da-DK" sz="2000" b="1" dirty="0" smtClean="0"/>
               <a:t>&gt;300</a:t>
             </a:r>
-            <a:endParaRPr lang="da-DK" sz="2000" b="1" dirty="0" smtClean="0"/>
           </a:p>
           <a:p>
             <a:pPr algn="ctr"/>
@@ -11151,7 +11667,6 @@
               <a:rPr lang="da-DK" sz="2400" b="1" dirty="0" smtClean="0"/>
               <a:t>&gt;300</a:t>
             </a:r>
-            <a:endParaRPr lang="da-DK" sz="2400" b="1" dirty="0" smtClean="0"/>
           </a:p>
           <a:p>
             <a:pPr algn="ctr"/>
@@ -11497,7 +12012,6 @@
               <a:rPr lang="da-DK" sz="2400" b="1" dirty="0" smtClean="0"/>
               <a:t>FC</a:t>
             </a:r>
-            <a:endParaRPr lang="da-DK" sz="2400" b="1" dirty="0" smtClean="0"/>
           </a:p>
           <a:p>
             <a:pPr algn="ctr"/>
@@ -11645,7 +12159,6 @@
               <a:rPr lang="da-DK" sz="2400" b="1" dirty="0" smtClean="0"/>
               <a:t>FC</a:t>
             </a:r>
-            <a:endParaRPr lang="da-DK" sz="2400" b="1" dirty="0" smtClean="0"/>
           </a:p>
           <a:p>
             <a:pPr algn="ctr"/>
@@ -11814,7 +12327,6 @@
               <a:rPr lang="da-DK" sz="2400" b="1" dirty="0" smtClean="0"/>
               <a:t>.</a:t>
             </a:r>
-            <a:endParaRPr lang="da-DK" sz="2400" b="1" dirty="0" smtClean="0"/>
           </a:p>
         </p:txBody>
       </p:sp>
@@ -11971,7 +12483,6 @@
               <a:rPr lang="da-DK" sz="2400" b="1" dirty="0" smtClean="0"/>
               <a:t>&gt;300</a:t>
             </a:r>
-            <a:endParaRPr lang="da-DK" sz="2400" b="1" dirty="0" smtClean="0"/>
           </a:p>
           <a:p>
             <a:pPr algn="ctr"/>
@@ -12065,8 +12576,8 @@
           </a:fontRef>
         </p:style>
       </p:cxnSp>
-      <mc:AlternateContent xmlns:mc="http://schemas.openxmlformats.org/markup-compatibility/2006">
-        <mc:Choice xmlns:a14="http://schemas.microsoft.com/office/drawing/2010/main" Requires="a14">
+      <mc:AlternateContent xmlns:mc="http://schemas.openxmlformats.org/markup-compatibility/2006" xmlns:a14="http://schemas.microsoft.com/office/drawing/2010/main">
+        <mc:Choice Requires="a14">
           <p:sp>
             <p:nvSpPr>
               <p:cNvPr id="48" name="Tekstfelt 47"/>
@@ -12184,7 +12695,7 @@
             </p:txBody>
           </p:sp>
         </mc:Choice>
-        <mc:Fallback>
+        <mc:Fallback xmlns="">
           <p:sp>
             <p:nvSpPr>
               <p:cNvPr id="48" name="Tekstfelt 47"/>
@@ -12291,6 +12802,7 @@
                 </a:r>
               </a:p>
               <a:p>
+                <a:pPr/>
                 <a14:m>
                   <m:oMathPara xmlns:m="http://schemas.openxmlformats.org/officeDocument/2006/math">
                     <m:oMathParaPr>
@@ -12316,17 +12828,36 @@
                           </m:ctrlPr>
                         </m:dPr>
                         <m:e>
+                          <m:sSup>
+                            <m:sSupPr>
+                              <m:ctrlPr>
+                                <a:rPr lang="da-DK" sz="2000" b="0" i="1" smtClean="0">
+                                  <a:latin typeface="Cambria Math" charset="0"/>
+                                </a:rPr>
+                              </m:ctrlPr>
+                            </m:sSupPr>
+                            <m:e>
+                              <m:r>
+                                <a:rPr lang="da-DK" sz="2000" b="0" i="1" smtClean="0">
+                                  <a:latin typeface="Cambria Math" charset="0"/>
+                                </a:rPr>
+                                <m:t>𝑘</m:t>
+                              </m:r>
+                            </m:e>
+                            <m:sup>
+                              <m:r>
+                                <a:rPr lang="da-DK" sz="2000" b="0" i="1" smtClean="0">
+                                  <a:latin typeface="Cambria Math" charset="0"/>
+                                </a:rPr>
+                                <m:t>∗</m:t>
+                              </m:r>
+                            </m:sup>
+                          </m:sSup>
                           <m:r>
                             <a:rPr lang="da-DK" sz="2000" b="0" i="1" smtClean="0">
                               <a:latin typeface="Cambria Math" charset="0"/>
                             </a:rPr>
-                            <m:t>𝑘</m:t>
-                          </m:r>
-                          <m:r>
-                            <a:rPr lang="da-DK" sz="2000" b="0" i="1" smtClean="0">
-                              <a:latin typeface="Cambria Math" charset="0"/>
-                            </a:rPr>
-                            <m:t>∗≥0</m:t>
+                            <m:t>≥0</m:t>
                           </m:r>
                         </m:e>
                       </m:d>
@@ -12550,7 +13081,6 @@
               <a:rPr lang="da-DK" sz="2000" b="1" dirty="0" smtClean="0"/>
               <a:t>&gt;300</a:t>
             </a:r>
-            <a:endParaRPr lang="da-DK" sz="2000" b="1" dirty="0" smtClean="0"/>
           </a:p>
           <a:p>
             <a:pPr algn="ctr"/>
@@ -12838,7 +13368,6 @@
               <a:rPr lang="da-DK" sz="2000" b="1" dirty="0" smtClean="0"/>
               <a:t>Final</a:t>
             </a:r>
-            <a:endParaRPr lang="da-DK" sz="2000" b="1" dirty="0" smtClean="0"/>
           </a:p>
           <a:p>
             <a:pPr algn="ctr"/>
